--- a/micro-bit.pptx
+++ b/micro-bit.pptx
@@ -5,22 +5,24 @@
     <p:sldMasterId id="2147483664" r:id="rId1"/>
   </p:sldMasterIdLst>
   <p:notesMasterIdLst>
-    <p:notesMasterId r:id="rId12"/>
+    <p:notesMasterId r:id="rId14"/>
   </p:notesMasterIdLst>
   <p:handoutMasterIdLst>
-    <p:handoutMasterId r:id="rId13"/>
+    <p:handoutMasterId r:id="rId15"/>
   </p:handoutMasterIdLst>
   <p:sldIdLst>
     <p:sldId id="267" r:id="rId2"/>
     <p:sldId id="269" r:id="rId3"/>
-    <p:sldId id="376" r:id="rId4"/>
-    <p:sldId id="374" r:id="rId5"/>
-    <p:sldId id="373" r:id="rId6"/>
-    <p:sldId id="375" r:id="rId7"/>
-    <p:sldId id="377" r:id="rId8"/>
-    <p:sldId id="380" r:id="rId9"/>
-    <p:sldId id="378" r:id="rId10"/>
+    <p:sldId id="374" r:id="rId4"/>
+    <p:sldId id="373" r:id="rId5"/>
+    <p:sldId id="380" r:id="rId6"/>
+    <p:sldId id="378" r:id="rId7"/>
+    <p:sldId id="376" r:id="rId8"/>
+    <p:sldId id="377" r:id="rId9"/>
+    <p:sldId id="375" r:id="rId10"/>
     <p:sldId id="379" r:id="rId11"/>
+    <p:sldId id="382" r:id="rId12"/>
+    <p:sldId id="381" r:id="rId13"/>
   </p:sldIdLst>
   <p:sldSz cx="12192000" cy="6858000"/>
   <p:notesSz cx="6858000" cy="9144000"/>
@@ -126,14 +128,16 @@
           <p14:sldIdLst>
             <p14:sldId id="267"/>
             <p14:sldId id="269"/>
-            <p14:sldId id="376"/>
             <p14:sldId id="374"/>
             <p14:sldId id="373"/>
-            <p14:sldId id="375"/>
-            <p14:sldId id="377"/>
             <p14:sldId id="380"/>
             <p14:sldId id="378"/>
+            <p14:sldId id="376"/>
+            <p14:sldId id="377"/>
+            <p14:sldId id="375"/>
             <p14:sldId id="379"/>
+            <p14:sldId id="382"/>
+            <p14:sldId id="381"/>
           </p14:sldIdLst>
         </p14:section>
       </p14:sectionLst>
@@ -230,7 +234,7 @@
           <a:p>
             <a:fld id="{A0D83CE4-BAFB-41A6-97D4-FA7916DA3BB5}" type="datetimeFigureOut">
               <a:rPr lang="en-US" smtClean="0"/>
-              <a:t>1/23/2018</a:t>
+              <a:t>1/24/2018</a:t>
             </a:fld>
             <a:endParaRPr lang="en-US"/>
           </a:p>
@@ -395,7 +399,7 @@
           <a:p>
             <a:fld id="{88623304-FC45-43E3-861E-17CE13252E52}" type="datetimeFigureOut">
               <a:rPr lang="en-US" smtClean="0"/>
-              <a:t>1/23/2018</a:t>
+              <a:t>1/24/2018</a:t>
             </a:fld>
             <a:endParaRPr lang="en-US"/>
           </a:p>
@@ -830,6 +834,174 @@
 </p:notes>
 </file>
 
+<file path=ppt/notesSlides/notesSlide11.xml><?xml version="1.0" encoding="utf-8"?>
+<p:notes xmlns:a="http://schemas.openxmlformats.org/drawingml/2006/main" xmlns:r="http://schemas.openxmlformats.org/officeDocument/2006/relationships" xmlns:p="http://schemas.openxmlformats.org/presentationml/2006/main">
+  <p:cSld>
+    <p:spTree>
+      <p:nvGrpSpPr>
+        <p:cNvPr id="1" name=""/>
+        <p:cNvGrpSpPr/>
+        <p:nvPr/>
+      </p:nvGrpSpPr>
+      <p:grpSpPr>
+        <a:xfrm>
+          <a:off x="0" y="0"/>
+          <a:ext cx="0" cy="0"/>
+          <a:chOff x="0" y="0"/>
+          <a:chExt cx="0" cy="0"/>
+        </a:xfrm>
+      </p:grpSpPr>
+      <p:sp>
+        <p:nvSpPr>
+          <p:cNvPr id="2" name="Slide Image Placeholder 1"/>
+          <p:cNvSpPr>
+            <a:spLocks noGrp="1" noRot="1" noChangeAspect="1"/>
+          </p:cNvSpPr>
+          <p:nvPr>
+            <p:ph type="sldImg"/>
+          </p:nvPr>
+        </p:nvSpPr>
+        <p:spPr/>
+      </p:sp>
+      <p:sp>
+        <p:nvSpPr>
+          <p:cNvPr id="3" name="Notes Placeholder 2"/>
+          <p:cNvSpPr>
+            <a:spLocks noGrp="1"/>
+          </p:cNvSpPr>
+          <p:nvPr>
+            <p:ph type="body" idx="1"/>
+          </p:nvPr>
+        </p:nvSpPr>
+        <p:spPr/>
+        <p:txBody>
+          <a:bodyPr/>
+          <a:lstStyle/>
+          <a:p>
+            <a:endParaRPr lang="en-US"/>
+          </a:p>
+        </p:txBody>
+      </p:sp>
+      <p:sp>
+        <p:nvSpPr>
+          <p:cNvPr id="4" name="Slide Number Placeholder 3"/>
+          <p:cNvSpPr>
+            <a:spLocks noGrp="1"/>
+          </p:cNvSpPr>
+          <p:nvPr>
+            <p:ph type="sldNum" sz="quarter" idx="10"/>
+          </p:nvPr>
+        </p:nvSpPr>
+        <p:spPr/>
+        <p:txBody>
+          <a:bodyPr/>
+          <a:lstStyle/>
+          <a:p>
+            <a:fld id="{4FC2FA96-E043-47F1-B25A-65CD4606D510}" type="slidenum">
+              <a:rPr lang="en-US" smtClean="0"/>
+              <a:t>11</a:t>
+            </a:fld>
+            <a:endParaRPr lang="en-US"/>
+          </a:p>
+        </p:txBody>
+      </p:sp>
+    </p:spTree>
+    <p:extLst>
+      <p:ext uri="{BB962C8B-B14F-4D97-AF65-F5344CB8AC3E}">
+        <p14:creationId xmlns:p14="http://schemas.microsoft.com/office/powerpoint/2010/main" val="3079502218"/>
+      </p:ext>
+    </p:extLst>
+  </p:cSld>
+  <p:clrMapOvr>
+    <a:masterClrMapping/>
+  </p:clrMapOvr>
+</p:notes>
+</file>
+
+<file path=ppt/notesSlides/notesSlide12.xml><?xml version="1.0" encoding="utf-8"?>
+<p:notes xmlns:a="http://schemas.openxmlformats.org/drawingml/2006/main" xmlns:r="http://schemas.openxmlformats.org/officeDocument/2006/relationships" xmlns:p="http://schemas.openxmlformats.org/presentationml/2006/main">
+  <p:cSld>
+    <p:spTree>
+      <p:nvGrpSpPr>
+        <p:cNvPr id="1" name=""/>
+        <p:cNvGrpSpPr/>
+        <p:nvPr/>
+      </p:nvGrpSpPr>
+      <p:grpSpPr>
+        <a:xfrm>
+          <a:off x="0" y="0"/>
+          <a:ext cx="0" cy="0"/>
+          <a:chOff x="0" y="0"/>
+          <a:chExt cx="0" cy="0"/>
+        </a:xfrm>
+      </p:grpSpPr>
+      <p:sp>
+        <p:nvSpPr>
+          <p:cNvPr id="2" name="Slide Image Placeholder 1"/>
+          <p:cNvSpPr>
+            <a:spLocks noGrp="1" noRot="1" noChangeAspect="1"/>
+          </p:cNvSpPr>
+          <p:nvPr>
+            <p:ph type="sldImg"/>
+          </p:nvPr>
+        </p:nvSpPr>
+        <p:spPr/>
+      </p:sp>
+      <p:sp>
+        <p:nvSpPr>
+          <p:cNvPr id="3" name="Notes Placeholder 2"/>
+          <p:cNvSpPr>
+            <a:spLocks noGrp="1"/>
+          </p:cNvSpPr>
+          <p:nvPr>
+            <p:ph type="body" idx="1"/>
+          </p:nvPr>
+        </p:nvSpPr>
+        <p:spPr/>
+        <p:txBody>
+          <a:bodyPr/>
+          <a:lstStyle/>
+          <a:p>
+            <a:endParaRPr lang="en-US"/>
+          </a:p>
+        </p:txBody>
+      </p:sp>
+      <p:sp>
+        <p:nvSpPr>
+          <p:cNvPr id="4" name="Slide Number Placeholder 3"/>
+          <p:cNvSpPr>
+            <a:spLocks noGrp="1"/>
+          </p:cNvSpPr>
+          <p:nvPr>
+            <p:ph type="sldNum" sz="quarter" idx="10"/>
+          </p:nvPr>
+        </p:nvSpPr>
+        <p:spPr/>
+        <p:txBody>
+          <a:bodyPr/>
+          <a:lstStyle/>
+          <a:p>
+            <a:fld id="{4FC2FA96-E043-47F1-B25A-65CD4606D510}" type="slidenum">
+              <a:rPr lang="en-US" smtClean="0"/>
+              <a:t>12</a:t>
+            </a:fld>
+            <a:endParaRPr lang="en-US"/>
+          </a:p>
+        </p:txBody>
+      </p:sp>
+    </p:spTree>
+    <p:extLst>
+      <p:ext uri="{BB962C8B-B14F-4D97-AF65-F5344CB8AC3E}">
+        <p14:creationId xmlns:p14="http://schemas.microsoft.com/office/powerpoint/2010/main" val="2190088956"/>
+      </p:ext>
+    </p:extLst>
+  </p:cSld>
+  <p:clrMapOvr>
+    <a:masterClrMapping/>
+  </p:clrMapOvr>
+</p:notes>
+</file>
+
 <file path=ppt/notesSlides/notesSlide2.xml><?xml version="1.0" encoding="utf-8"?>
 <p:notes xmlns:a="http://schemas.openxmlformats.org/drawingml/2006/main" xmlns:r="http://schemas.openxmlformats.org/officeDocument/2006/relationships" xmlns:p="http://schemas.openxmlformats.org/presentationml/2006/main">
   <p:cSld>
@@ -988,7 +1160,7 @@
     </p:spTree>
     <p:extLst>
       <p:ext uri="{BB962C8B-B14F-4D97-AF65-F5344CB8AC3E}">
-        <p14:creationId xmlns:p14="http://schemas.microsoft.com/office/powerpoint/2010/main" val="2952280332"/>
+        <p14:creationId xmlns:p14="http://schemas.microsoft.com/office/powerpoint/2010/main" val="255597243"/>
       </p:ext>
     </p:extLst>
   </p:cSld>
@@ -1072,7 +1244,7 @@
     </p:spTree>
     <p:extLst>
       <p:ext uri="{BB962C8B-B14F-4D97-AF65-F5344CB8AC3E}">
-        <p14:creationId xmlns:p14="http://schemas.microsoft.com/office/powerpoint/2010/main" val="255597243"/>
+        <p14:creationId xmlns:p14="http://schemas.microsoft.com/office/powerpoint/2010/main" val="1869498414"/>
       </p:ext>
     </p:extLst>
   </p:cSld>
@@ -1156,7 +1328,7 @@
     </p:spTree>
     <p:extLst>
       <p:ext uri="{BB962C8B-B14F-4D97-AF65-F5344CB8AC3E}">
-        <p14:creationId xmlns:p14="http://schemas.microsoft.com/office/powerpoint/2010/main" val="1869498414"/>
+        <p14:creationId xmlns:p14="http://schemas.microsoft.com/office/powerpoint/2010/main" val="3556132993"/>
       </p:ext>
     </p:extLst>
   </p:cSld>
@@ -1240,7 +1412,7 @@
     </p:spTree>
     <p:extLst>
       <p:ext uri="{BB962C8B-B14F-4D97-AF65-F5344CB8AC3E}">
-        <p14:creationId xmlns:p14="http://schemas.microsoft.com/office/powerpoint/2010/main" val="2016368013"/>
+        <p14:creationId xmlns:p14="http://schemas.microsoft.com/office/powerpoint/2010/main" val="2220792743"/>
       </p:ext>
     </p:extLst>
   </p:cSld>
@@ -1324,7 +1496,7 @@
     </p:spTree>
     <p:extLst>
       <p:ext uri="{BB962C8B-B14F-4D97-AF65-F5344CB8AC3E}">
-        <p14:creationId xmlns:p14="http://schemas.microsoft.com/office/powerpoint/2010/main" val="3924972097"/>
+        <p14:creationId xmlns:p14="http://schemas.microsoft.com/office/powerpoint/2010/main" val="2952280332"/>
       </p:ext>
     </p:extLst>
   </p:cSld>
@@ -1408,7 +1580,7 @@
     </p:spTree>
     <p:extLst>
       <p:ext uri="{BB962C8B-B14F-4D97-AF65-F5344CB8AC3E}">
-        <p14:creationId xmlns:p14="http://schemas.microsoft.com/office/powerpoint/2010/main" val="3556132993"/>
+        <p14:creationId xmlns:p14="http://schemas.microsoft.com/office/powerpoint/2010/main" val="3924972097"/>
       </p:ext>
     </p:extLst>
   </p:cSld>
@@ -1492,7 +1664,7 @@
     </p:spTree>
     <p:extLst>
       <p:ext uri="{BB962C8B-B14F-4D97-AF65-F5344CB8AC3E}">
-        <p14:creationId xmlns:p14="http://schemas.microsoft.com/office/powerpoint/2010/main" val="2220792743"/>
+        <p14:creationId xmlns:p14="http://schemas.microsoft.com/office/powerpoint/2010/main" val="2016368013"/>
       </p:ext>
     </p:extLst>
   </p:cSld>
@@ -3940,7 +4112,7 @@
             <a:fld id="{49F3E739-D457-46E5-B626-C9B182A007EE}" type="datetimeFigureOut">
               <a:rPr lang="en-US" smtClean="0"/>
               <a:pPr/>
-              <a:t>1/23/2018</a:t>
+              <a:t>1/24/2018</a:t>
             </a:fld>
             <a:endParaRPr lang="en-US"/>
           </a:p>
@@ -4059,7 +4231,7 @@
             <a:fld id="{49F3E739-D457-46E5-B626-C9B182A007EE}" type="datetimeFigureOut">
               <a:rPr lang="en-US" smtClean="0"/>
               <a:pPr/>
-              <a:t>1/23/2018</a:t>
+              <a:t>1/24/2018</a:t>
             </a:fld>
             <a:endParaRPr lang="en-US"/>
           </a:p>
@@ -4640,7 +4812,7 @@
           <a:p>
             <a:r>
               <a:rPr lang="en-US" dirty="0"/>
-              <a:t>What is a </a:t>
+              <a:t>Introduction to the </a:t>
             </a:r>
             <a:r>
               <a:rPr lang="en-US" dirty="0" err="1"/>
@@ -4842,6 +5014,267 @@
 </p:sld>
 </file>
 
+<file path=ppt/slides/slide11.xml><?xml version="1.0" encoding="utf-8"?>
+<p:sld xmlns:a="http://schemas.openxmlformats.org/drawingml/2006/main" xmlns:r="http://schemas.openxmlformats.org/officeDocument/2006/relationships" xmlns:p="http://schemas.openxmlformats.org/presentationml/2006/main">
+  <p:cSld>
+    <p:spTree>
+      <p:nvGrpSpPr>
+        <p:cNvPr id="1" name=""/>
+        <p:cNvGrpSpPr/>
+        <p:nvPr/>
+      </p:nvGrpSpPr>
+      <p:grpSpPr>
+        <a:xfrm>
+          <a:off x="0" y="0"/>
+          <a:ext cx="0" cy="0"/>
+          <a:chOff x="0" y="0"/>
+          <a:chExt cx="0" cy="0"/>
+        </a:xfrm>
+      </p:grpSpPr>
+      <p:sp>
+        <p:nvSpPr>
+          <p:cNvPr id="2" name="Title 1">
+            <a:extLst>
+              <a:ext uri="{FF2B5EF4-FFF2-40B4-BE49-F238E27FC236}">
+                <a16:creationId xmlns:a16="http://schemas.microsoft.com/office/drawing/2014/main" id="{EE36A410-A78E-4216-9364-7864D4B65D81}"/>
+              </a:ext>
+            </a:extLst>
+          </p:cNvPr>
+          <p:cNvSpPr>
+            <a:spLocks noGrp="1"/>
+          </p:cNvSpPr>
+          <p:nvPr>
+            <p:ph type="title"/>
+          </p:nvPr>
+        </p:nvSpPr>
+        <p:spPr/>
+        <p:txBody>
+          <a:bodyPr/>
+          <a:lstStyle/>
+          <a:p>
+            <a:r>
+              <a:rPr lang="en-US" dirty="0"/>
+              <a:t>Projects</a:t>
+            </a:r>
+          </a:p>
+        </p:txBody>
+      </p:sp>
+      <p:sp>
+        <p:nvSpPr>
+          <p:cNvPr id="3" name="Text Placeholder 2">
+            <a:extLst>
+              <a:ext uri="{FF2B5EF4-FFF2-40B4-BE49-F238E27FC236}">
+                <a16:creationId xmlns:a16="http://schemas.microsoft.com/office/drawing/2014/main" id="{36C73837-F425-4C2F-B885-ED22867C32D2}"/>
+              </a:ext>
+            </a:extLst>
+          </p:cNvPr>
+          <p:cNvSpPr>
+            <a:spLocks noGrp="1"/>
+          </p:cNvSpPr>
+          <p:nvPr>
+            <p:ph type="body" idx="1"/>
+          </p:nvPr>
+        </p:nvSpPr>
+        <p:spPr/>
+        <p:txBody>
+          <a:bodyPr numCol="2"/>
+          <a:lstStyle/>
+          <a:p>
+            <a:r>
+              <a:rPr lang="en-US" dirty="0">
+                <a:hlinkClick r:id="rId3"/>
+              </a:rPr>
+              <a:t>Rock Paper Scissors</a:t>
+            </a:r>
+            <a:endParaRPr lang="en-US" dirty="0"/>
+          </a:p>
+          <a:p>
+            <a:pPr lvl="1"/>
+            <a:r>
+              <a:rPr lang="en-US" dirty="0">
+                <a:hlinkClick r:id="rId4"/>
+              </a:rPr>
+              <a:t>With Teams</a:t>
+            </a:r>
+            <a:endParaRPr lang="en-US" dirty="0"/>
+          </a:p>
+          <a:p>
+            <a:r>
+              <a:rPr lang="en-US" dirty="0">
+                <a:hlinkClick r:id="rId5"/>
+              </a:rPr>
+              <a:t>Watch</a:t>
+            </a:r>
+            <a:endParaRPr lang="en-US" dirty="0"/>
+          </a:p>
+          <a:p>
+            <a:r>
+              <a:rPr lang="en-US" dirty="0">
+                <a:hlinkClick r:id="rId6"/>
+              </a:rPr>
+              <a:t>Compass</a:t>
+            </a:r>
+            <a:endParaRPr lang="en-US" dirty="0"/>
+          </a:p>
+          <a:p>
+            <a:r>
+              <a:rPr lang="en-US" dirty="0">
+                <a:hlinkClick r:id="rId7"/>
+              </a:rPr>
+              <a:t>Coin Flipper</a:t>
+            </a:r>
+            <a:endParaRPr lang="en-US" dirty="0"/>
+          </a:p>
+          <a:p>
+            <a:r>
+              <a:rPr lang="en-US" dirty="0">
+                <a:hlinkClick r:id="rId8"/>
+              </a:rPr>
+              <a:t>Hot or Cold</a:t>
+            </a:r>
+            <a:endParaRPr lang="en-US" dirty="0"/>
+          </a:p>
+          <a:p>
+            <a:r>
+              <a:rPr lang="en-US" dirty="0">
+                <a:hlinkClick r:id="rId9"/>
+              </a:rPr>
+              <a:t>Reaction Time</a:t>
+            </a:r>
+            <a:endParaRPr lang="en-US" dirty="0"/>
+          </a:p>
+          <a:p>
+            <a:r>
+              <a:rPr lang="en-US" dirty="0">
+                <a:hlinkClick r:id="rId10"/>
+              </a:rPr>
+              <a:t>Voting Machine</a:t>
+            </a:r>
+            <a:endParaRPr lang="en-US" dirty="0">
+              <a:hlinkClick r:id="rId11"/>
+            </a:endParaRPr>
+          </a:p>
+          <a:p>
+            <a:r>
+              <a:rPr lang="en-US" dirty="0">
+                <a:hlinkClick r:id="rId11"/>
+              </a:rPr>
+              <a:t>Infection</a:t>
+            </a:r>
+            <a:endParaRPr lang="en-US" dirty="0">
+              <a:hlinkClick r:id="rId12"/>
+            </a:endParaRPr>
+          </a:p>
+          <a:p>
+            <a:r>
+              <a:rPr lang="en-US" dirty="0">
+                <a:hlinkClick r:id="rId12"/>
+              </a:rPr>
+              <a:t>Guitar</a:t>
+            </a:r>
+            <a:endParaRPr lang="en-US" dirty="0"/>
+          </a:p>
+        </p:txBody>
+      </p:sp>
+    </p:spTree>
+    <p:extLst>
+      <p:ext uri="{BB962C8B-B14F-4D97-AF65-F5344CB8AC3E}">
+        <p14:creationId xmlns:p14="http://schemas.microsoft.com/office/powerpoint/2010/main" val="2323538873"/>
+      </p:ext>
+    </p:extLst>
+  </p:cSld>
+  <p:clrMapOvr>
+    <a:masterClrMapping/>
+  </p:clrMapOvr>
+</p:sld>
+</file>
+
+<file path=ppt/slides/slide12.xml><?xml version="1.0" encoding="utf-8"?>
+<p:sld xmlns:a="http://schemas.openxmlformats.org/drawingml/2006/main" xmlns:r="http://schemas.openxmlformats.org/officeDocument/2006/relationships" xmlns:p="http://schemas.openxmlformats.org/presentationml/2006/main">
+  <p:cSld>
+    <p:spTree>
+      <p:nvGrpSpPr>
+        <p:cNvPr id="1" name=""/>
+        <p:cNvGrpSpPr/>
+        <p:nvPr/>
+      </p:nvGrpSpPr>
+      <p:grpSpPr>
+        <a:xfrm>
+          <a:off x="0" y="0"/>
+          <a:ext cx="0" cy="0"/>
+          <a:chOff x="0" y="0"/>
+          <a:chExt cx="0" cy="0"/>
+        </a:xfrm>
+      </p:grpSpPr>
+      <p:sp>
+        <p:nvSpPr>
+          <p:cNvPr id="2" name="Title 1">
+            <a:extLst>
+              <a:ext uri="{FF2B5EF4-FFF2-40B4-BE49-F238E27FC236}">
+                <a16:creationId xmlns:a16="http://schemas.microsoft.com/office/drawing/2014/main" id="{586AF746-7EEB-4E6E-9B22-517C57A6B97B}"/>
+              </a:ext>
+            </a:extLst>
+          </p:cNvPr>
+          <p:cNvSpPr>
+            <a:spLocks noGrp="1"/>
+          </p:cNvSpPr>
+          <p:nvPr>
+            <p:ph type="title"/>
+          </p:nvPr>
+        </p:nvSpPr>
+        <p:spPr/>
+        <p:txBody>
+          <a:bodyPr/>
+          <a:lstStyle/>
+          <a:p>
+            <a:r>
+              <a:rPr lang="en-US" dirty="0"/>
+              <a:t>Links</a:t>
+            </a:r>
+          </a:p>
+        </p:txBody>
+      </p:sp>
+      <p:sp>
+        <p:nvSpPr>
+          <p:cNvPr id="3" name="Text Placeholder 2">
+            <a:extLst>
+              <a:ext uri="{FF2B5EF4-FFF2-40B4-BE49-F238E27FC236}">
+                <a16:creationId xmlns:a16="http://schemas.microsoft.com/office/drawing/2014/main" id="{D9ACE369-847D-4C05-B523-CEB57C281429}"/>
+              </a:ext>
+            </a:extLst>
+          </p:cNvPr>
+          <p:cNvSpPr>
+            <a:spLocks noGrp="1"/>
+          </p:cNvSpPr>
+          <p:nvPr>
+            <p:ph type="body" idx="1"/>
+          </p:nvPr>
+        </p:nvSpPr>
+        <p:spPr/>
+        <p:txBody>
+          <a:bodyPr/>
+          <a:lstStyle/>
+          <a:p>
+            <a:r>
+              <a:rPr lang="en-US" dirty="0"/>
+              <a:t>http://microbit.org/</a:t>
+            </a:r>
+          </a:p>
+        </p:txBody>
+      </p:sp>
+    </p:spTree>
+    <p:extLst>
+      <p:ext uri="{BB962C8B-B14F-4D97-AF65-F5344CB8AC3E}">
+        <p14:creationId xmlns:p14="http://schemas.microsoft.com/office/powerpoint/2010/main" val="2118090975"/>
+      </p:ext>
+    </p:extLst>
+  </p:cSld>
+  <p:clrMapOvr>
+    <a:masterClrMapping/>
+  </p:clrMapOvr>
+</p:sld>
+</file>
+
 <file path=ppt/slides/slide2.xml><?xml version="1.0" encoding="utf-8"?>
 <p:sld xmlns:a="http://schemas.openxmlformats.org/drawingml/2006/main" xmlns:r="http://schemas.openxmlformats.org/officeDocument/2006/relationships" xmlns:p="http://schemas.openxmlformats.org/presentationml/2006/main">
   <p:cSld>
@@ -4903,15 +5336,7 @@
           <a:p>
             <a:r>
               <a:rPr lang="en-US" dirty="0"/>
-              <a:t>A device you can use the </a:t>
-            </a:r>
-            <a:r>
-              <a:rPr lang="en-US" dirty="0" err="1"/>
-              <a:t>micro:bit</a:t>
-            </a:r>
-            <a:r>
-              <a:rPr lang="en-US" dirty="0"/>
-              <a:t> for all sorts of cool creations, from robots to musical instruments – the possibilities are endless.</a:t>
+              <a:t>A device you can use for all sorts of cool creations, from robots to musical instruments – the possibilities are endless.</a:t>
             </a:r>
           </a:p>
         </p:txBody>
@@ -4984,100 +5409,6 @@
       </p:grpSpPr>
       <p:sp>
         <p:nvSpPr>
-          <p:cNvPr id="2" name="Title 1">
-            <a:extLst>
-              <a:ext uri="{FF2B5EF4-FFF2-40B4-BE49-F238E27FC236}">
-                <a16:creationId xmlns:a16="http://schemas.microsoft.com/office/drawing/2014/main" id="{ED7A495E-8FF8-184B-A536-D6C4DAB134A8}"/>
-              </a:ext>
-            </a:extLst>
-          </p:cNvPr>
-          <p:cNvSpPr>
-            <a:spLocks noGrp="1"/>
-          </p:cNvSpPr>
-          <p:nvPr>
-            <p:ph type="title"/>
-          </p:nvPr>
-        </p:nvSpPr>
-        <p:spPr/>
-        <p:txBody>
-          <a:bodyPr/>
-          <a:lstStyle/>
-          <a:p>
-            <a:r>
-              <a:rPr lang="en-US" dirty="0"/>
-              <a:t>Made for school</a:t>
-            </a:r>
-          </a:p>
-        </p:txBody>
-      </p:sp>
-      <p:sp>
-        <p:nvSpPr>
-          <p:cNvPr id="3" name="Text Placeholder 2">
-            <a:extLst>
-              <a:ext uri="{FF2B5EF4-FFF2-40B4-BE49-F238E27FC236}">
-                <a16:creationId xmlns:a16="http://schemas.microsoft.com/office/drawing/2014/main" id="{11D4C5DE-28B1-634E-BD23-817CBDC47C39}"/>
-              </a:ext>
-            </a:extLst>
-          </p:cNvPr>
-          <p:cNvSpPr>
-            <a:spLocks noGrp="1"/>
-          </p:cNvSpPr>
-          <p:nvPr>
-            <p:ph type="body" idx="1"/>
-          </p:nvPr>
-        </p:nvSpPr>
-        <p:spPr/>
-        <p:txBody>
-          <a:bodyPr/>
-          <a:lstStyle/>
-          <a:p>
-            <a:r>
-              <a:rPr lang="en-US" dirty="0"/>
-              <a:t>The </a:t>
-            </a:r>
-            <a:r>
-              <a:rPr lang="en-US" dirty="0" err="1"/>
-              <a:t>micro:bit</a:t>
-            </a:r>
-            <a:r>
-              <a:rPr lang="en-US" dirty="0"/>
-              <a:t> was designed to be classroom-friendly from day one. More approachable than just coding, it's a great way to achieve fun, practical results with motivated students.</a:t>
-            </a:r>
-          </a:p>
-        </p:txBody>
-      </p:sp>
-    </p:spTree>
-    <p:extLst>
-      <p:ext uri="{BB962C8B-B14F-4D97-AF65-F5344CB8AC3E}">
-        <p14:creationId xmlns:p14="http://schemas.microsoft.com/office/powerpoint/2010/main" val="1822687530"/>
-      </p:ext>
-    </p:extLst>
-  </p:cSld>
-  <p:clrMapOvr>
-    <a:masterClrMapping/>
-  </p:clrMapOvr>
-</p:sld>
-</file>
-
-<file path=ppt/slides/slide4.xml><?xml version="1.0" encoding="utf-8"?>
-<p:sld xmlns:a="http://schemas.openxmlformats.org/drawingml/2006/main" xmlns:r="http://schemas.openxmlformats.org/officeDocument/2006/relationships" xmlns:p="http://schemas.openxmlformats.org/presentationml/2006/main">
-  <p:cSld>
-    <p:spTree>
-      <p:nvGrpSpPr>
-        <p:cNvPr id="1" name=""/>
-        <p:cNvGrpSpPr/>
-        <p:nvPr/>
-      </p:nvGrpSpPr>
-      <p:grpSpPr>
-        <a:xfrm>
-          <a:off x="0" y="0"/>
-          <a:ext cx="0" cy="0"/>
-          <a:chOff x="0" y="0"/>
-          <a:chExt cx="0" cy="0"/>
-        </a:xfrm>
-      </p:grpSpPr>
-      <p:sp>
-        <p:nvSpPr>
           <p:cNvPr id="2" name="Title 1"/>
           <p:cNvSpPr>
             <a:spLocks noGrp="1"/>
@@ -5172,7 +5503,7 @@
 </p:sld>
 </file>
 
-<file path=ppt/slides/slide5.xml><?xml version="1.0" encoding="utf-8"?>
+<file path=ppt/slides/slide4.xml><?xml version="1.0" encoding="utf-8"?>
 <p:sld xmlns:a="http://schemas.openxmlformats.org/drawingml/2006/main" xmlns:r="http://schemas.openxmlformats.org/officeDocument/2006/relationships" xmlns:p="http://schemas.openxmlformats.org/presentationml/2006/main">
   <p:cSld>
     <p:spTree>
@@ -5276,280 +5607,7 @@
 </p:sld>
 </file>
 
-<file path=ppt/slides/slide6.xml><?xml version="1.0" encoding="utf-8"?>
-<p:sld xmlns:a="http://schemas.openxmlformats.org/drawingml/2006/main" xmlns:r="http://schemas.openxmlformats.org/officeDocument/2006/relationships" xmlns:p="http://schemas.openxmlformats.org/presentationml/2006/main">
-  <p:cSld>
-    <p:spTree>
-      <p:nvGrpSpPr>
-        <p:cNvPr id="1" name=""/>
-        <p:cNvGrpSpPr/>
-        <p:nvPr/>
-      </p:nvGrpSpPr>
-      <p:grpSpPr>
-        <a:xfrm>
-          <a:off x="0" y="0"/>
-          <a:ext cx="0" cy="0"/>
-          <a:chOff x="0" y="0"/>
-          <a:chExt cx="0" cy="0"/>
-        </a:xfrm>
-      </p:grpSpPr>
-      <p:sp>
-        <p:nvSpPr>
-          <p:cNvPr id="2" name="Title 1">
-            <a:extLst>
-              <a:ext uri="{FF2B5EF4-FFF2-40B4-BE49-F238E27FC236}">
-                <a16:creationId xmlns:a16="http://schemas.microsoft.com/office/drawing/2014/main" id="{8D25F007-0E83-CE43-AD05-C80875F6688E}"/>
-              </a:ext>
-            </a:extLst>
-          </p:cNvPr>
-          <p:cNvSpPr>
-            <a:spLocks noGrp="1"/>
-          </p:cNvSpPr>
-          <p:nvPr>
-            <p:ph type="title"/>
-          </p:nvPr>
-        </p:nvSpPr>
-        <p:spPr/>
-        <p:txBody>
-          <a:bodyPr/>
-          <a:lstStyle/>
-          <a:p>
-            <a:r>
-              <a:rPr lang="en-US" dirty="0" err="1"/>
-              <a:t>micro:bit</a:t>
-            </a:r>
-            <a:r>
-              <a:rPr lang="en-US" dirty="0"/>
-              <a:t> history</a:t>
-            </a:r>
-          </a:p>
-        </p:txBody>
-      </p:sp>
-      <p:sp>
-        <p:nvSpPr>
-          <p:cNvPr id="3" name="Text Placeholder 2">
-            <a:extLst>
-              <a:ext uri="{FF2B5EF4-FFF2-40B4-BE49-F238E27FC236}">
-                <a16:creationId xmlns:a16="http://schemas.microsoft.com/office/drawing/2014/main" id="{84238C54-C122-0541-88A5-E3D46CFC7719}"/>
-              </a:ext>
-            </a:extLst>
-          </p:cNvPr>
-          <p:cNvSpPr>
-            <a:spLocks noGrp="1"/>
-          </p:cNvSpPr>
-          <p:nvPr>
-            <p:ph type="body" idx="1"/>
-          </p:nvPr>
-        </p:nvSpPr>
-        <p:spPr/>
-        <p:txBody>
-          <a:bodyPr/>
-          <a:lstStyle/>
-          <a:p>
-            <a:r>
-              <a:rPr lang="en-US" dirty="0"/>
-              <a:t>Created by BBC and partners (Microsoft, Lancaster University, Nordic Semiconductor, Farnell Element14, Samsung, </a:t>
-            </a:r>
-            <a:r>
-              <a:rPr lang="en-US" dirty="0" err="1"/>
-              <a:t>etc</a:t>
-            </a:r>
-            <a:r>
-              <a:rPr lang="en-US" dirty="0"/>
-              <a:t>)</a:t>
-            </a:r>
-          </a:p>
-          <a:p>
-            <a:r>
-              <a:rPr lang="en-US" dirty="0"/>
-              <a:t>Was designed to encourage children to get actively involved in writing software for computers and building new things</a:t>
-            </a:r>
-          </a:p>
-          <a:p>
-            <a:r>
-              <a:rPr lang="en-US" dirty="0"/>
-              <a:t>Distributed to all 7</a:t>
-            </a:r>
-            <a:r>
-              <a:rPr lang="en-US" baseline="30000" dirty="0"/>
-              <a:t>th</a:t>
-            </a:r>
-            <a:r>
-              <a:rPr lang="en-US" dirty="0"/>
-              <a:t> graders in Britain (around 1 million devices)</a:t>
-            </a:r>
-          </a:p>
-          <a:p>
-            <a:r>
-              <a:rPr lang="en-US" dirty="0" err="1"/>
-              <a:t>Microbit</a:t>
-            </a:r>
-            <a:r>
-              <a:rPr lang="en-US" dirty="0"/>
-              <a:t> Educational Foundation is a non-profit setup to handle the future</a:t>
-            </a:r>
-          </a:p>
-        </p:txBody>
-      </p:sp>
-    </p:spTree>
-    <p:extLst>
-      <p:ext uri="{BB962C8B-B14F-4D97-AF65-F5344CB8AC3E}">
-        <p14:creationId xmlns:p14="http://schemas.microsoft.com/office/powerpoint/2010/main" val="3427594696"/>
-      </p:ext>
-    </p:extLst>
-  </p:cSld>
-  <p:clrMapOvr>
-    <a:masterClrMapping/>
-  </p:clrMapOvr>
-</p:sld>
-</file>
-
-<file path=ppt/slides/slide7.xml><?xml version="1.0" encoding="utf-8"?>
-<p:sld xmlns:a="http://schemas.openxmlformats.org/drawingml/2006/main" xmlns:r="http://schemas.openxmlformats.org/officeDocument/2006/relationships" xmlns:p="http://schemas.openxmlformats.org/presentationml/2006/main">
-  <p:cSld>
-    <p:spTree>
-      <p:nvGrpSpPr>
-        <p:cNvPr id="1" name=""/>
-        <p:cNvGrpSpPr/>
-        <p:nvPr/>
-      </p:nvGrpSpPr>
-      <p:grpSpPr>
-        <a:xfrm>
-          <a:off x="0" y="0"/>
-          <a:ext cx="0" cy="0"/>
-          <a:chOff x="0" y="0"/>
-          <a:chExt cx="0" cy="0"/>
-        </a:xfrm>
-      </p:grpSpPr>
-      <p:sp>
-        <p:nvSpPr>
-          <p:cNvPr id="2" name="Title 1">
-            <a:extLst>
-              <a:ext uri="{FF2B5EF4-FFF2-40B4-BE49-F238E27FC236}">
-                <a16:creationId xmlns:a16="http://schemas.microsoft.com/office/drawing/2014/main" id="{DCA5547B-C9B5-3140-B216-C4235745BD83}"/>
-              </a:ext>
-            </a:extLst>
-          </p:cNvPr>
-          <p:cNvSpPr>
-            <a:spLocks noGrp="1"/>
-          </p:cNvSpPr>
-          <p:nvPr>
-            <p:ph type="title"/>
-          </p:nvPr>
-        </p:nvSpPr>
-        <p:spPr/>
-        <p:txBody>
-          <a:bodyPr/>
-          <a:lstStyle/>
-          <a:p>
-            <a:r>
-              <a:rPr lang="en-US" dirty="0"/>
-              <a:t>Research Findings (BBC)</a:t>
-            </a:r>
-          </a:p>
-        </p:txBody>
-      </p:sp>
-      <p:sp>
-        <p:nvSpPr>
-          <p:cNvPr id="3" name="Text Placeholder 2">
-            <a:extLst>
-              <a:ext uri="{FF2B5EF4-FFF2-40B4-BE49-F238E27FC236}">
-                <a16:creationId xmlns:a16="http://schemas.microsoft.com/office/drawing/2014/main" id="{45526759-A963-8941-9B98-3098F343E0A8}"/>
-              </a:ext>
-            </a:extLst>
-          </p:cNvPr>
-          <p:cNvSpPr>
-            <a:spLocks noGrp="1"/>
-          </p:cNvSpPr>
-          <p:nvPr>
-            <p:ph type="body" idx="1"/>
-          </p:nvPr>
-        </p:nvSpPr>
-        <p:spPr/>
-        <p:txBody>
-          <a:bodyPr/>
-          <a:lstStyle/>
-          <a:p>
-            <a:r>
-              <a:rPr lang="en-US" sz="2300" dirty="0"/>
-              <a:t>90% of students said the </a:t>
-            </a:r>
-            <a:r>
-              <a:rPr lang="en-US" sz="2300" dirty="0" err="1"/>
-              <a:t>micro:bit</a:t>
-            </a:r>
-            <a:r>
-              <a:rPr lang="en-US" sz="2300" dirty="0"/>
-              <a:t> showed them that anyone can code.</a:t>
-            </a:r>
-          </a:p>
-          <a:p>
-            <a:r>
-              <a:rPr lang="en-US" sz="2300" dirty="0"/>
-              <a:t>86% of students said the </a:t>
-            </a:r>
-            <a:r>
-              <a:rPr lang="en-US" sz="2300" dirty="0" err="1"/>
-              <a:t>micro:bit</a:t>
-            </a:r>
-            <a:r>
-              <a:rPr lang="en-US" sz="2300" dirty="0"/>
-              <a:t> made Computer Science more interesting.</a:t>
-            </a:r>
-          </a:p>
-          <a:p>
-            <a:r>
-              <a:rPr lang="en-US" sz="2300" dirty="0"/>
-              <a:t>70% more girls said they would choose Computing as a school subject after using the </a:t>
-            </a:r>
-            <a:r>
-              <a:rPr lang="en-US" sz="2300" dirty="0" err="1"/>
-              <a:t>micro:bit</a:t>
-            </a:r>
-            <a:r>
-              <a:rPr lang="en-US" sz="2300" dirty="0"/>
-              <a:t>.</a:t>
-            </a:r>
-          </a:p>
-          <a:p>
-            <a:r>
-              <a:rPr lang="en-US" sz="2300" dirty="0"/>
-              <a:t>85% of teachers agree it has made ICT/Computer Science more enjoyable for their students.</a:t>
-            </a:r>
-          </a:p>
-          <a:p>
-            <a:r>
-              <a:rPr lang="en-US" sz="2300" dirty="0"/>
-              <a:t>Half of teachers who’ve used the </a:t>
-            </a:r>
-            <a:r>
-              <a:rPr lang="en-US" sz="2300" dirty="0" err="1"/>
-              <a:t>micro:bit</a:t>
-            </a:r>
-            <a:r>
-              <a:rPr lang="en-US" sz="2300" dirty="0"/>
-              <a:t> say they now feel more confident as a teacher, particularly those who say they’re not very confident in teaching Computing.</a:t>
-            </a:r>
-          </a:p>
-          <a:p>
-            <a:endParaRPr lang="en-US" sz="2300" dirty="0"/>
-          </a:p>
-        </p:txBody>
-      </p:sp>
-    </p:spTree>
-    <p:extLst>
-      <p:ext uri="{BB962C8B-B14F-4D97-AF65-F5344CB8AC3E}">
-        <p14:creationId xmlns:p14="http://schemas.microsoft.com/office/powerpoint/2010/main" val="111587466"/>
-      </p:ext>
-    </p:extLst>
-  </p:cSld>
-  <p:clrMapOvr>
-    <a:masterClrMapping/>
-  </p:clrMapOvr>
-</p:sld>
-</file>
-
-<file path=ppt/slides/slide8.xml><?xml version="1.0" encoding="utf-8"?>
+<file path=ppt/slides/slide5.xml><?xml version="1.0" encoding="utf-8"?>
 <p:sld xmlns:a="http://schemas.openxmlformats.org/drawingml/2006/main" xmlns:r="http://schemas.openxmlformats.org/officeDocument/2006/relationships" xmlns:p="http://schemas.openxmlformats.org/presentationml/2006/main">
   <p:cSld>
     <p:spTree>
@@ -5638,6 +5696,376 @@
 </p:sld>
 </file>
 
+<file path=ppt/slides/slide6.xml><?xml version="1.0" encoding="utf-8"?>
+<p:sld xmlns:a="http://schemas.openxmlformats.org/drawingml/2006/main" xmlns:r="http://schemas.openxmlformats.org/officeDocument/2006/relationships" xmlns:p="http://schemas.openxmlformats.org/presentationml/2006/main">
+  <p:cSld>
+    <p:spTree>
+      <p:nvGrpSpPr>
+        <p:cNvPr id="1" name=""/>
+        <p:cNvGrpSpPr/>
+        <p:nvPr/>
+      </p:nvGrpSpPr>
+      <p:grpSpPr>
+        <a:xfrm>
+          <a:off x="0" y="0"/>
+          <a:ext cx="0" cy="0"/>
+          <a:chOff x="0" y="0"/>
+          <a:chExt cx="0" cy="0"/>
+        </a:xfrm>
+      </p:grpSpPr>
+      <p:sp>
+        <p:nvSpPr>
+          <p:cNvPr id="2" name="Title 1">
+            <a:extLst>
+              <a:ext uri="{FF2B5EF4-FFF2-40B4-BE49-F238E27FC236}">
+                <a16:creationId xmlns:a16="http://schemas.microsoft.com/office/drawing/2014/main" id="{371718B3-19FB-594E-AF22-26C69131058C}"/>
+              </a:ext>
+            </a:extLst>
+          </p:cNvPr>
+          <p:cNvSpPr>
+            <a:spLocks noGrp="1"/>
+          </p:cNvSpPr>
+          <p:nvPr>
+            <p:ph type="title"/>
+          </p:nvPr>
+        </p:nvSpPr>
+        <p:spPr/>
+        <p:txBody>
+          <a:bodyPr/>
+          <a:lstStyle/>
+          <a:p>
+            <a:r>
+              <a:rPr lang="en-US" dirty="0"/>
+              <a:t>Coding Experience</a:t>
+            </a:r>
+          </a:p>
+        </p:txBody>
+      </p:sp>
+      <p:sp>
+        <p:nvSpPr>
+          <p:cNvPr id="3" name="Text Placeholder 2">
+            <a:extLst>
+              <a:ext uri="{FF2B5EF4-FFF2-40B4-BE49-F238E27FC236}">
+                <a16:creationId xmlns:a16="http://schemas.microsoft.com/office/drawing/2014/main" id="{715A226B-50CB-3E4A-AAD4-41B326498404}"/>
+              </a:ext>
+            </a:extLst>
+          </p:cNvPr>
+          <p:cNvSpPr>
+            <a:spLocks noGrp="1"/>
+          </p:cNvSpPr>
+          <p:nvPr>
+            <p:ph type="body" idx="1"/>
+          </p:nvPr>
+        </p:nvSpPr>
+        <p:spPr/>
+        <p:txBody>
+          <a:bodyPr/>
+          <a:lstStyle/>
+          <a:p>
+            <a:r>
+              <a:rPr lang="en-US" dirty="0"/>
+              <a:t>Block Editor (</a:t>
+            </a:r>
+            <a:r>
+              <a:rPr lang="en-US" dirty="0">
+                <a:hlinkClick r:id="rId3"/>
+              </a:rPr>
+              <a:t>https://makecode.microbit.org/#</a:t>
+            </a:r>
+            <a:r>
+              <a:rPr lang="en-US" dirty="0"/>
+              <a:t>)</a:t>
+            </a:r>
+          </a:p>
+          <a:p>
+            <a:pPr lvl="1"/>
+            <a:r>
+              <a:rPr lang="en-US" dirty="0"/>
+              <a:t>Drag and drop experience</a:t>
+            </a:r>
+          </a:p>
+          <a:p>
+            <a:pPr lvl="1"/>
+            <a:r>
+              <a:rPr lang="en-US" dirty="0"/>
+              <a:t>Built in emulator</a:t>
+            </a:r>
+          </a:p>
+          <a:p>
+            <a:pPr lvl="1"/>
+            <a:r>
+              <a:rPr lang="en-US" dirty="0"/>
+              <a:t>Download program to run on your own </a:t>
+            </a:r>
+            <a:r>
+              <a:rPr lang="en-US" dirty="0" err="1"/>
+              <a:t>micro:bit</a:t>
+            </a:r>
+            <a:endParaRPr lang="en-US" dirty="0"/>
+          </a:p>
+          <a:p>
+            <a:r>
+              <a:rPr lang="en-US" dirty="0"/>
+              <a:t>JavaScript and Python experiences for more advanced students</a:t>
+            </a:r>
+            <a:endParaRPr lang="en-US" dirty="0">
+              <a:hlinkClick r:id="rId3"/>
+            </a:endParaRPr>
+          </a:p>
+        </p:txBody>
+      </p:sp>
+    </p:spTree>
+    <p:extLst>
+      <p:ext uri="{BB962C8B-B14F-4D97-AF65-F5344CB8AC3E}">
+        <p14:creationId xmlns:p14="http://schemas.microsoft.com/office/powerpoint/2010/main" val="1213039270"/>
+      </p:ext>
+    </p:extLst>
+  </p:cSld>
+  <p:clrMapOvr>
+    <a:masterClrMapping/>
+  </p:clrMapOvr>
+</p:sld>
+</file>
+
+<file path=ppt/slides/slide7.xml><?xml version="1.0" encoding="utf-8"?>
+<p:sld xmlns:a="http://schemas.openxmlformats.org/drawingml/2006/main" xmlns:r="http://schemas.openxmlformats.org/officeDocument/2006/relationships" xmlns:p="http://schemas.openxmlformats.org/presentationml/2006/main">
+  <p:cSld>
+    <p:spTree>
+      <p:nvGrpSpPr>
+        <p:cNvPr id="1" name=""/>
+        <p:cNvGrpSpPr/>
+        <p:nvPr/>
+      </p:nvGrpSpPr>
+      <p:grpSpPr>
+        <a:xfrm>
+          <a:off x="0" y="0"/>
+          <a:ext cx="0" cy="0"/>
+          <a:chOff x="0" y="0"/>
+          <a:chExt cx="0" cy="0"/>
+        </a:xfrm>
+      </p:grpSpPr>
+      <p:sp>
+        <p:nvSpPr>
+          <p:cNvPr id="2" name="Title 1">
+            <a:extLst>
+              <a:ext uri="{FF2B5EF4-FFF2-40B4-BE49-F238E27FC236}">
+                <a16:creationId xmlns:a16="http://schemas.microsoft.com/office/drawing/2014/main" id="{ED7A495E-8FF8-184B-A536-D6C4DAB134A8}"/>
+              </a:ext>
+            </a:extLst>
+          </p:cNvPr>
+          <p:cNvSpPr>
+            <a:spLocks noGrp="1"/>
+          </p:cNvSpPr>
+          <p:nvPr>
+            <p:ph type="title"/>
+          </p:nvPr>
+        </p:nvSpPr>
+        <p:spPr/>
+        <p:txBody>
+          <a:bodyPr/>
+          <a:lstStyle/>
+          <a:p>
+            <a:r>
+              <a:rPr lang="en-US" dirty="0"/>
+              <a:t>Made for school</a:t>
+            </a:r>
+          </a:p>
+        </p:txBody>
+      </p:sp>
+      <p:sp>
+        <p:nvSpPr>
+          <p:cNvPr id="3" name="Text Placeholder 2">
+            <a:extLst>
+              <a:ext uri="{FF2B5EF4-FFF2-40B4-BE49-F238E27FC236}">
+                <a16:creationId xmlns:a16="http://schemas.microsoft.com/office/drawing/2014/main" id="{11D4C5DE-28B1-634E-BD23-817CBDC47C39}"/>
+              </a:ext>
+            </a:extLst>
+          </p:cNvPr>
+          <p:cNvSpPr>
+            <a:spLocks noGrp="1"/>
+          </p:cNvSpPr>
+          <p:nvPr>
+            <p:ph type="body" idx="1"/>
+          </p:nvPr>
+        </p:nvSpPr>
+        <p:spPr/>
+        <p:txBody>
+          <a:bodyPr/>
+          <a:lstStyle/>
+          <a:p>
+            <a:r>
+              <a:rPr lang="en-US" dirty="0"/>
+              <a:t>The </a:t>
+            </a:r>
+            <a:r>
+              <a:rPr lang="en-US" dirty="0" err="1"/>
+              <a:t>micro:bit</a:t>
+            </a:r>
+            <a:r>
+              <a:rPr lang="en-US" dirty="0"/>
+              <a:t> was designed to be classroom-friendly from day one. More approachable than just coding, it's a great way to achieve fun, practical results with motivated students.</a:t>
+            </a:r>
+          </a:p>
+        </p:txBody>
+      </p:sp>
+    </p:spTree>
+    <p:extLst>
+      <p:ext uri="{BB962C8B-B14F-4D97-AF65-F5344CB8AC3E}">
+        <p14:creationId xmlns:p14="http://schemas.microsoft.com/office/powerpoint/2010/main" val="1822687530"/>
+      </p:ext>
+    </p:extLst>
+  </p:cSld>
+  <p:clrMapOvr>
+    <a:masterClrMapping/>
+  </p:clrMapOvr>
+</p:sld>
+</file>
+
+<file path=ppt/slides/slide8.xml><?xml version="1.0" encoding="utf-8"?>
+<p:sld xmlns:a="http://schemas.openxmlformats.org/drawingml/2006/main" xmlns:r="http://schemas.openxmlformats.org/officeDocument/2006/relationships" xmlns:p="http://schemas.openxmlformats.org/presentationml/2006/main">
+  <p:cSld>
+    <p:spTree>
+      <p:nvGrpSpPr>
+        <p:cNvPr id="1" name=""/>
+        <p:cNvGrpSpPr/>
+        <p:nvPr/>
+      </p:nvGrpSpPr>
+      <p:grpSpPr>
+        <a:xfrm>
+          <a:off x="0" y="0"/>
+          <a:ext cx="0" cy="0"/>
+          <a:chOff x="0" y="0"/>
+          <a:chExt cx="0" cy="0"/>
+        </a:xfrm>
+      </p:grpSpPr>
+      <p:sp>
+        <p:nvSpPr>
+          <p:cNvPr id="2" name="Title 1">
+            <a:extLst>
+              <a:ext uri="{FF2B5EF4-FFF2-40B4-BE49-F238E27FC236}">
+                <a16:creationId xmlns:a16="http://schemas.microsoft.com/office/drawing/2014/main" id="{DCA5547B-C9B5-3140-B216-C4235745BD83}"/>
+              </a:ext>
+            </a:extLst>
+          </p:cNvPr>
+          <p:cNvSpPr>
+            <a:spLocks noGrp="1"/>
+          </p:cNvSpPr>
+          <p:nvPr>
+            <p:ph type="title"/>
+          </p:nvPr>
+        </p:nvSpPr>
+        <p:spPr/>
+        <p:txBody>
+          <a:bodyPr/>
+          <a:lstStyle/>
+          <a:p>
+            <a:r>
+              <a:rPr lang="en-US" dirty="0"/>
+              <a:t>Research Findings (BBC)</a:t>
+            </a:r>
+          </a:p>
+        </p:txBody>
+      </p:sp>
+      <p:sp>
+        <p:nvSpPr>
+          <p:cNvPr id="3" name="Text Placeholder 2">
+            <a:extLst>
+              <a:ext uri="{FF2B5EF4-FFF2-40B4-BE49-F238E27FC236}">
+                <a16:creationId xmlns:a16="http://schemas.microsoft.com/office/drawing/2014/main" id="{45526759-A963-8941-9B98-3098F343E0A8}"/>
+              </a:ext>
+            </a:extLst>
+          </p:cNvPr>
+          <p:cNvSpPr>
+            <a:spLocks noGrp="1"/>
+          </p:cNvSpPr>
+          <p:nvPr>
+            <p:ph type="body" idx="1"/>
+          </p:nvPr>
+        </p:nvSpPr>
+        <p:spPr/>
+        <p:txBody>
+          <a:bodyPr/>
+          <a:lstStyle/>
+          <a:p>
+            <a:r>
+              <a:rPr lang="en-US" sz="2300" dirty="0"/>
+              <a:t>90% of students said the </a:t>
+            </a:r>
+            <a:r>
+              <a:rPr lang="en-US" sz="2300" dirty="0" err="1"/>
+              <a:t>micro:bit</a:t>
+            </a:r>
+            <a:r>
+              <a:rPr lang="en-US" sz="2300" dirty="0"/>
+              <a:t> showed them that anyone can code.</a:t>
+            </a:r>
+          </a:p>
+          <a:p>
+            <a:r>
+              <a:rPr lang="en-US" sz="2300" dirty="0"/>
+              <a:t>86% of students said the </a:t>
+            </a:r>
+            <a:r>
+              <a:rPr lang="en-US" sz="2300" dirty="0" err="1"/>
+              <a:t>micro:bit</a:t>
+            </a:r>
+            <a:r>
+              <a:rPr lang="en-US" sz="2300" dirty="0"/>
+              <a:t> made Computer Science more interesting.</a:t>
+            </a:r>
+          </a:p>
+          <a:p>
+            <a:r>
+              <a:rPr lang="en-US" sz="2300" dirty="0"/>
+              <a:t>70% more girls said they would choose Computing as a school subject after using the </a:t>
+            </a:r>
+            <a:r>
+              <a:rPr lang="en-US" sz="2300" dirty="0" err="1"/>
+              <a:t>micro:bit</a:t>
+            </a:r>
+            <a:r>
+              <a:rPr lang="en-US" sz="2300" dirty="0"/>
+              <a:t>.</a:t>
+            </a:r>
+          </a:p>
+          <a:p>
+            <a:r>
+              <a:rPr lang="en-US" sz="2300" dirty="0"/>
+              <a:t>85% of teachers agree it has made ICT/Computer Science more enjoyable for their students.</a:t>
+            </a:r>
+          </a:p>
+          <a:p>
+            <a:r>
+              <a:rPr lang="en-US" sz="2300" dirty="0"/>
+              <a:t>Half of teachers who’ve used the </a:t>
+            </a:r>
+            <a:r>
+              <a:rPr lang="en-US" sz="2300" dirty="0" err="1"/>
+              <a:t>micro:bit</a:t>
+            </a:r>
+            <a:r>
+              <a:rPr lang="en-US" sz="2300" dirty="0"/>
+              <a:t> say they now feel more confident as a teacher, particularly those who say they’re not very confident in teaching Computing.</a:t>
+            </a:r>
+          </a:p>
+          <a:p>
+            <a:endParaRPr lang="en-US" sz="2300" dirty="0"/>
+          </a:p>
+        </p:txBody>
+      </p:sp>
+    </p:spTree>
+    <p:extLst>
+      <p:ext uri="{BB962C8B-B14F-4D97-AF65-F5344CB8AC3E}">
+        <p14:creationId xmlns:p14="http://schemas.microsoft.com/office/powerpoint/2010/main" val="111587466"/>
+      </p:ext>
+    </p:extLst>
+  </p:cSld>
+  <p:clrMapOvr>
+    <a:masterClrMapping/>
+  </p:clrMapOvr>
+</p:sld>
+</file>
+
 <file path=ppt/slides/slide9.xml><?xml version="1.0" encoding="utf-8"?>
 <p:sld xmlns:a="http://schemas.openxmlformats.org/drawingml/2006/main" xmlns:r="http://schemas.openxmlformats.org/officeDocument/2006/relationships" xmlns:p="http://schemas.openxmlformats.org/presentationml/2006/main">
   <p:cSld>
@@ -5660,7 +6088,7 @@
           <p:cNvPr id="2" name="Title 1">
             <a:extLst>
               <a:ext uri="{FF2B5EF4-FFF2-40B4-BE49-F238E27FC236}">
-                <a16:creationId xmlns:a16="http://schemas.microsoft.com/office/drawing/2014/main" id="{371718B3-19FB-594E-AF22-26C69131058C}"/>
+                <a16:creationId xmlns:a16="http://schemas.microsoft.com/office/drawing/2014/main" id="{8D25F007-0E83-CE43-AD05-C80875F6688E}"/>
               </a:ext>
             </a:extLst>
           </p:cNvPr>
@@ -5677,8 +6105,12 @@
           <a:lstStyle/>
           <a:p>
             <a:r>
+              <a:rPr lang="en-US" dirty="0" err="1"/>
+              <a:t>micro:bit</a:t>
+            </a:r>
+            <a:r>
               <a:rPr lang="en-US" dirty="0"/>
-              <a:t>Coding Experience</a:t>
+              <a:t> history</a:t>
             </a:r>
           </a:p>
         </p:txBody>
@@ -5688,7 +6120,7 @@
           <p:cNvPr id="3" name="Text Placeholder 2">
             <a:extLst>
               <a:ext uri="{FF2B5EF4-FFF2-40B4-BE49-F238E27FC236}">
-                <a16:creationId xmlns:a16="http://schemas.microsoft.com/office/drawing/2014/main" id="{715A226B-50CB-3E4A-AAD4-41B326498404}"/>
+                <a16:creationId xmlns:a16="http://schemas.microsoft.com/office/drawing/2014/main" id="{84238C54-C122-0541-88A5-E3D46CFC7719}"/>
               </a:ext>
             </a:extLst>
           </p:cNvPr>
@@ -5706,13 +6138,11 @@
           <a:p>
             <a:r>
               <a:rPr lang="en-US" dirty="0"/>
-              <a:t>Block Editor (</a:t>
-            </a:r>
-            <a:r>
-              <a:rPr lang="en-US" dirty="0">
-                <a:hlinkClick r:id="rId3"/>
-              </a:rPr>
-              <a:t>https://makecode.microbit.org/#</a:t>
+              <a:t>Created by BBC and partners (Microsoft, Lancaster University, Nordic Semiconductor, Farnell Element14, Samsung, </a:t>
+            </a:r>
+            <a:r>
+              <a:rPr lang="en-US" dirty="0" err="1"/>
+              <a:t>etc</a:t>
             </a:r>
             <a:r>
               <a:rPr lang="en-US" dirty="0"/>
@@ -5720,46 +6150,41 @@
             </a:r>
           </a:p>
           <a:p>
-            <a:pPr lvl="1"/>
             <a:r>
               <a:rPr lang="en-US" dirty="0"/>
-              <a:t>Drag and drop experience</a:t>
-            </a:r>
-          </a:p>
-          <a:p>
-            <a:pPr lvl="1"/>
+              <a:t>Was designed to encourage children to get actively involved in writing software for computers and building new things</a:t>
+            </a:r>
+          </a:p>
+          <a:p>
             <a:r>
               <a:rPr lang="en-US" dirty="0"/>
-              <a:t>Built in emulator</a:t>
-            </a:r>
-          </a:p>
-          <a:p>
-            <a:pPr lvl="1"/>
+              <a:t>Distributed to all 7</a:t>
+            </a:r>
+            <a:r>
+              <a:rPr lang="en-US" baseline="30000" dirty="0"/>
+              <a:t>th</a:t>
+            </a:r>
             <a:r>
               <a:rPr lang="en-US" dirty="0"/>
-              <a:t>Download program to run on your own </a:t>
-            </a:r>
+              <a:t> graders in Britain (around 1 million devices)</a:t>
+            </a:r>
+          </a:p>
+          <a:p>
             <a:r>
               <a:rPr lang="en-US" dirty="0" err="1"/>
-              <a:t>micro:bit</a:t>
-            </a:r>
-            <a:endParaRPr lang="en-US" dirty="0"/>
-          </a:p>
-          <a:p>
+              <a:t>Microbit</a:t>
+            </a:r>
             <a:r>
               <a:rPr lang="en-US" dirty="0"/>
-              <a:t>JavaScript and Python experiences for more advanced students</a:t>
-            </a:r>
-            <a:endParaRPr lang="en-US" dirty="0">
-              <a:hlinkClick r:id="rId3"/>
-            </a:endParaRPr>
+              <a:t> Educational Foundation is a non-profit setup to handle the future</a:t>
+            </a:r>
           </a:p>
         </p:txBody>
       </p:sp>
     </p:spTree>
     <p:extLst>
       <p:ext uri="{BB962C8B-B14F-4D97-AF65-F5344CB8AC3E}">
-        <p14:creationId xmlns:p14="http://schemas.microsoft.com/office/powerpoint/2010/main" val="1213039270"/>
+        <p14:creationId xmlns:p14="http://schemas.microsoft.com/office/powerpoint/2010/main" val="3427594696"/>
       </p:ext>
     </p:extLst>
   </p:cSld>

--- a/micro-bit.pptx
+++ b/micro-bit.pptx
@@ -4931,8 +4931,16 @@
           <a:p>
             <a:pPr lvl="1"/>
             <a:r>
+              <a:rPr lang="en-US" dirty="0"/>
+              <a:t>m</a:t>
+            </a:r>
+            <a:r>
+              <a:rPr lang="en-US"/>
+              <a:t>icro</a:t>
+            </a:r>
+            <a:r>
               <a:rPr lang="en-US" dirty="0" err="1"/>
-              <a:t>bicro:bit</a:t>
+              <a:t>:bit</a:t>
             </a:r>
             <a:endParaRPr lang="en-US" dirty="0"/>
           </a:p>
